--- a/figs/devices_new.pptx
+++ b/figs/devices_new.pptx
@@ -104,6 +104,11 @@
       </a:defRPr>
     </a:lvl9pPr>
   </p:defaultTextStyle>
+  <p:extLst>
+    <p:ext uri="{EFAFB233-063F-42B5-8137-9DF3F51BA10A}">
+      <p15:sldGuideLst xmlns:p15="http://schemas.microsoft.com/office/powerpoint/2012/main"/>
+    </p:ext>
+  </p:extLst>
 </p:presentation>
 </file>
 
@@ -238,7 +243,7 @@
           <a:p>
             <a:fld id="{AA67468E-954B-4175-8161-9129C60B35D9}" type="datetimeFigureOut">
               <a:rPr lang="en-US" smtClean="0"/>
-              <a:t>7/28/2015</a:t>
+              <a:t>8/12/2015</a:t>
             </a:fld>
             <a:endParaRPr lang="en-US"/>
           </a:p>
@@ -408,7 +413,7 @@
           <a:p>
             <a:fld id="{AA67468E-954B-4175-8161-9129C60B35D9}" type="datetimeFigureOut">
               <a:rPr lang="en-US" smtClean="0"/>
-              <a:t>7/28/2015</a:t>
+              <a:t>8/12/2015</a:t>
             </a:fld>
             <a:endParaRPr lang="en-US"/>
           </a:p>
@@ -588,7 +593,7 @@
           <a:p>
             <a:fld id="{AA67468E-954B-4175-8161-9129C60B35D9}" type="datetimeFigureOut">
               <a:rPr lang="en-US" smtClean="0"/>
-              <a:t>7/28/2015</a:t>
+              <a:t>8/12/2015</a:t>
             </a:fld>
             <a:endParaRPr lang="en-US"/>
           </a:p>
@@ -758,7 +763,7 @@
           <a:p>
             <a:fld id="{AA67468E-954B-4175-8161-9129C60B35D9}" type="datetimeFigureOut">
               <a:rPr lang="en-US" smtClean="0"/>
-              <a:t>7/28/2015</a:t>
+              <a:t>8/12/2015</a:t>
             </a:fld>
             <a:endParaRPr lang="en-US"/>
           </a:p>
@@ -1002,7 +1007,7 @@
           <a:p>
             <a:fld id="{AA67468E-954B-4175-8161-9129C60B35D9}" type="datetimeFigureOut">
               <a:rPr lang="en-US" smtClean="0"/>
-              <a:t>7/28/2015</a:t>
+              <a:t>8/12/2015</a:t>
             </a:fld>
             <a:endParaRPr lang="en-US"/>
           </a:p>
@@ -1234,7 +1239,7 @@
           <a:p>
             <a:fld id="{AA67468E-954B-4175-8161-9129C60B35D9}" type="datetimeFigureOut">
               <a:rPr lang="en-US" smtClean="0"/>
-              <a:t>7/28/2015</a:t>
+              <a:t>8/12/2015</a:t>
             </a:fld>
             <a:endParaRPr lang="en-US"/>
           </a:p>
@@ -1601,7 +1606,7 @@
           <a:p>
             <a:fld id="{AA67468E-954B-4175-8161-9129C60B35D9}" type="datetimeFigureOut">
               <a:rPr lang="en-US" smtClean="0"/>
-              <a:t>7/28/2015</a:t>
+              <a:t>8/12/2015</a:t>
             </a:fld>
             <a:endParaRPr lang="en-US"/>
           </a:p>
@@ -1719,7 +1724,7 @@
           <a:p>
             <a:fld id="{AA67468E-954B-4175-8161-9129C60B35D9}" type="datetimeFigureOut">
               <a:rPr lang="en-US" smtClean="0"/>
-              <a:t>7/28/2015</a:t>
+              <a:t>8/12/2015</a:t>
             </a:fld>
             <a:endParaRPr lang="en-US"/>
           </a:p>
@@ -1814,7 +1819,7 @@
           <a:p>
             <a:fld id="{AA67468E-954B-4175-8161-9129C60B35D9}" type="datetimeFigureOut">
               <a:rPr lang="en-US" smtClean="0"/>
-              <a:t>7/28/2015</a:t>
+              <a:t>8/12/2015</a:t>
             </a:fld>
             <a:endParaRPr lang="en-US"/>
           </a:p>
@@ -2091,7 +2096,7 @@
           <a:p>
             <a:fld id="{AA67468E-954B-4175-8161-9129C60B35D9}" type="datetimeFigureOut">
               <a:rPr lang="en-US" smtClean="0"/>
-              <a:t>7/28/2015</a:t>
+              <a:t>8/12/2015</a:t>
             </a:fld>
             <a:endParaRPr lang="en-US"/>
           </a:p>
@@ -2348,7 +2353,7 @@
           <a:p>
             <a:fld id="{AA67468E-954B-4175-8161-9129C60B35D9}" type="datetimeFigureOut">
               <a:rPr lang="en-US" smtClean="0"/>
-              <a:t>7/28/2015</a:t>
+              <a:t>8/12/2015</a:t>
             </a:fld>
             <a:endParaRPr lang="en-US"/>
           </a:p>
@@ -2561,7 +2566,7 @@
           <a:p>
             <a:fld id="{AA67468E-954B-4175-8161-9129C60B35D9}" type="datetimeFigureOut">
               <a:rPr lang="en-US" smtClean="0"/>
-              <a:t>7/28/2015</a:t>
+              <a:t>8/12/2015</a:t>
             </a:fld>
             <a:endParaRPr lang="en-US"/>
           </a:p>
@@ -2989,7 +2994,7 @@
         </p:blipFill>
         <p:spPr bwMode="auto">
           <a:xfrm>
-            <a:off x="407645" y="2903490"/>
+            <a:off x="893067" y="2124557"/>
             <a:ext cx="1444812" cy="1043609"/>
           </a:xfrm>
           <a:prstGeom prst="rect">
@@ -3030,7 +3035,7 @@
         </p:blipFill>
         <p:spPr bwMode="auto">
           <a:xfrm>
-            <a:off x="407645" y="4348816"/>
+            <a:off x="893067" y="3569883"/>
             <a:ext cx="1352937" cy="1103318"/>
           </a:xfrm>
           <a:prstGeom prst="rect">
@@ -3071,7 +3076,7 @@
         </p:blipFill>
         <p:spPr bwMode="auto">
           <a:xfrm>
-            <a:off x="549992" y="5724425"/>
+            <a:off x="1035414" y="4945492"/>
             <a:ext cx="1210590" cy="726354"/>
           </a:xfrm>
           <a:prstGeom prst="rect">
@@ -3112,7 +3117,7 @@
         </p:blipFill>
         <p:spPr bwMode="auto">
           <a:xfrm>
-            <a:off x="7237146" y="1640062"/>
+            <a:off x="7722568" y="861129"/>
             <a:ext cx="1054648" cy="1212103"/>
           </a:xfrm>
           <a:prstGeom prst="rect">
@@ -3153,7 +3158,7 @@
         </p:blipFill>
         <p:spPr bwMode="auto">
           <a:xfrm>
-            <a:off x="1939891" y="6721584"/>
+            <a:off x="2425313" y="5942651"/>
             <a:ext cx="1291414" cy="1184783"/>
           </a:xfrm>
           <a:prstGeom prst="rect">
@@ -3194,7 +3199,7 @@
         </p:blipFill>
         <p:spPr bwMode="auto">
           <a:xfrm>
-            <a:off x="4154904" y="6594468"/>
+            <a:off x="4640326" y="5815535"/>
             <a:ext cx="2022751" cy="1311899"/>
           </a:xfrm>
           <a:prstGeom prst="rect">
@@ -3235,7 +3240,7 @@
         </p:blipFill>
         <p:spPr bwMode="auto">
           <a:xfrm>
-            <a:off x="3212642" y="6489926"/>
+            <a:off x="3698064" y="5710993"/>
             <a:ext cx="1399462" cy="1648098"/>
           </a:xfrm>
           <a:prstGeom prst="rect">
@@ -3275,7 +3280,7 @@
         </p:blipFill>
         <p:spPr>
           <a:xfrm>
-            <a:off x="5742290" y="1807749"/>
+            <a:off x="6227712" y="1028816"/>
             <a:ext cx="870730" cy="876727"/>
           </a:xfrm>
           <a:prstGeom prst="rect">
@@ -3291,7 +3296,7 @@
         </p:nvSpPr>
         <p:spPr>
           <a:xfrm>
-            <a:off x="745526" y="3883210"/>
+            <a:off x="1230948" y="3104277"/>
             <a:ext cx="677173" cy="369332"/>
           </a:xfrm>
           <a:prstGeom prst="rect">
@@ -3321,7 +3326,7 @@
         </p:nvSpPr>
         <p:spPr>
           <a:xfrm>
-            <a:off x="490694" y="5403614"/>
+            <a:off x="976116" y="4624681"/>
             <a:ext cx="1247201" cy="369332"/>
           </a:xfrm>
           <a:prstGeom prst="rect">
@@ -3351,7 +3356,7 @@
         </p:nvSpPr>
         <p:spPr>
           <a:xfrm>
-            <a:off x="389328" y="6409802"/>
+            <a:off x="874750" y="5630869"/>
             <a:ext cx="1505925" cy="369332"/>
           </a:xfrm>
           <a:prstGeom prst="rect">
@@ -3381,7 +3386,7 @@
         </p:nvSpPr>
         <p:spPr>
           <a:xfrm>
-            <a:off x="1797311" y="7944568"/>
+            <a:off x="2282733" y="7165635"/>
             <a:ext cx="1367682" cy="369332"/>
           </a:xfrm>
           <a:prstGeom prst="rect">
@@ -3411,7 +3416,7 @@
         </p:nvSpPr>
         <p:spPr>
           <a:xfrm>
-            <a:off x="3127350" y="7957431"/>
+            <a:off x="3612772" y="7178498"/>
             <a:ext cx="1570045" cy="369332"/>
           </a:xfrm>
           <a:prstGeom prst="rect">
@@ -3441,7 +3446,7 @@
         </p:nvSpPr>
         <p:spPr>
           <a:xfrm>
-            <a:off x="4642136" y="7967834"/>
+            <a:off x="5127558" y="7188901"/>
             <a:ext cx="1487395" cy="369332"/>
           </a:xfrm>
           <a:prstGeom prst="rect">
@@ -3471,7 +3476,7 @@
         </p:nvSpPr>
         <p:spPr>
           <a:xfrm>
-            <a:off x="5574336" y="2748892"/>
+            <a:off x="6059758" y="1969959"/>
             <a:ext cx="1387367" cy="646331"/>
           </a:xfrm>
           <a:prstGeom prst="rect">
@@ -3507,7 +3512,7 @@
         </p:nvSpPr>
         <p:spPr>
           <a:xfrm>
-            <a:off x="7158938" y="2795058"/>
+            <a:off x="7644360" y="2016125"/>
             <a:ext cx="1271630" cy="646331"/>
           </a:xfrm>
           <a:prstGeom prst="rect">
@@ -3543,13 +3548,16 @@
         </p:nvCxnSpPr>
         <p:spPr>
           <a:xfrm>
-            <a:off x="2810933" y="5858933"/>
-            <a:ext cx="2574900" cy="0"/>
+            <a:off x="807679" y="7606592"/>
+            <a:ext cx="8108311" cy="0"/>
           </a:xfrm>
           <a:prstGeom prst="straightConnector1">
             <a:avLst/>
           </a:prstGeom>
-          <a:ln>
+          <a:ln w="57150">
+            <a:solidFill>
+              <a:schemeClr val="tx1"/>
+            </a:solidFill>
             <a:tailEnd type="triangle"/>
           </a:ln>
         </p:spPr>
@@ -3576,13 +3584,16 @@
         </p:nvCxnSpPr>
         <p:spPr>
           <a:xfrm flipV="1">
-            <a:off x="2810933" y="3883210"/>
-            <a:ext cx="0" cy="1975723"/>
+            <a:off x="807679" y="711200"/>
+            <a:ext cx="0" cy="6895393"/>
           </a:xfrm>
           <a:prstGeom prst="straightConnector1">
             <a:avLst/>
           </a:prstGeom>
-          <a:ln>
+          <a:ln w="57150">
+            <a:solidFill>
+              <a:schemeClr val="tx1"/>
+            </a:solidFill>
             <a:tailEnd type="triangle"/>
           </a:ln>
         </p:spPr>
@@ -3609,8 +3620,8 @@
         </p:nvSpPr>
         <p:spPr>
           <a:xfrm>
-            <a:off x="3231305" y="5858933"/>
-            <a:ext cx="1686744" cy="369332"/>
+            <a:off x="3796954" y="7606592"/>
+            <a:ext cx="1892634" cy="400110"/>
           </a:xfrm>
           <a:prstGeom prst="rect">
             <a:avLst/>
@@ -3624,10 +3635,18 @@
           <a:lstStyle/>
           <a:p>
             <a:r>
-              <a:rPr lang="en-US" dirty="0" smtClean="0"/>
+              <a:rPr lang="en-US" sz="2000" b="1" dirty="0" smtClean="0">
+                <a:solidFill>
+                  <a:srgbClr val="FF0000"/>
+                </a:solidFill>
+              </a:rPr>
               <a:t>Therapeutic risk</a:t>
             </a:r>
-            <a:endParaRPr lang="en-US" dirty="0"/>
+            <a:endParaRPr lang="en-US" sz="2000" b="1" dirty="0">
+              <a:solidFill>
+                <a:srgbClr val="FF0000"/>
+              </a:solidFill>
+            </a:endParaRPr>
           </a:p>
         </p:txBody>
       </p:sp>
@@ -3639,8 +3658,8 @@
         </p:nvSpPr>
         <p:spPr>
           <a:xfrm rot="16200000">
-            <a:off x="1796720" y="4703339"/>
-            <a:ext cx="1538242" cy="369332"/>
+            <a:off x="-325544" y="3921487"/>
+            <a:ext cx="1728678" cy="400110"/>
           </a:xfrm>
           <a:prstGeom prst="rect">
             <a:avLst/>
@@ -3654,10 +3673,18 @@
           <a:lstStyle/>
           <a:p>
             <a:r>
-              <a:rPr lang="en-US" dirty="0" smtClean="0"/>
+              <a:rPr lang="en-US" sz="2000" b="1" dirty="0" smtClean="0">
+                <a:solidFill>
+                  <a:srgbClr val="FF0000"/>
+                </a:solidFill>
+              </a:rPr>
               <a:t>Diagnostic risk</a:t>
             </a:r>
-            <a:endParaRPr lang="en-US" dirty="0"/>
+            <a:endParaRPr lang="en-US" sz="2000" b="1" dirty="0">
+              <a:solidFill>
+                <a:srgbClr val="FF0000"/>
+              </a:solidFill>
+            </a:endParaRPr>
           </a:p>
         </p:txBody>
       </p:sp>
